--- a/OS-vseit/Operating System.pptx
+++ b/OS-vseit/Operating System.pptx
@@ -205,7 +205,7 @@
           <a:p>
             <a:fld id="{F68985D2-B2D8-463D-ACA5-5FF47B8F74B7}" type="datetimeFigureOut">
               <a:rPr lang="en-US" smtClean="0"/>
-              <a:t>2/27/2020</a:t>
+              <a:t>2/29/2020</a:t>
             </a:fld>
             <a:endParaRPr lang="en-US"/>
           </a:p>
@@ -601,7 +601,7 @@
           <a:p>
             <a:fld id="{C68810DC-EA8E-4926-9719-2732E2A8C802}" type="datetimeFigureOut">
               <a:rPr lang="en-US" smtClean="0"/>
-              <a:t>2/27/2020</a:t>
+              <a:t>2/29/2020</a:t>
             </a:fld>
             <a:endParaRPr lang="en-US"/>
           </a:p>
@@ -769,7 +769,7 @@
           <a:p>
             <a:fld id="{C68810DC-EA8E-4926-9719-2732E2A8C802}" type="datetimeFigureOut">
               <a:rPr lang="en-US" smtClean="0"/>
-              <a:t>2/27/2020</a:t>
+              <a:t>2/29/2020</a:t>
             </a:fld>
             <a:endParaRPr lang="en-US"/>
           </a:p>
@@ -947,7 +947,7 @@
           <a:p>
             <a:fld id="{C68810DC-EA8E-4926-9719-2732E2A8C802}" type="datetimeFigureOut">
               <a:rPr lang="en-US" smtClean="0"/>
-              <a:t>2/27/2020</a:t>
+              <a:t>2/29/2020</a:t>
             </a:fld>
             <a:endParaRPr lang="en-US"/>
           </a:p>
@@ -1115,7 +1115,7 @@
           <a:p>
             <a:fld id="{C68810DC-EA8E-4926-9719-2732E2A8C802}" type="datetimeFigureOut">
               <a:rPr lang="en-US" smtClean="0"/>
-              <a:t>2/27/2020</a:t>
+              <a:t>2/29/2020</a:t>
             </a:fld>
             <a:endParaRPr lang="en-US"/>
           </a:p>
@@ -1360,7 +1360,7 @@
           <a:p>
             <a:fld id="{C68810DC-EA8E-4926-9719-2732E2A8C802}" type="datetimeFigureOut">
               <a:rPr lang="en-US" smtClean="0"/>
-              <a:t>2/27/2020</a:t>
+              <a:t>2/29/2020</a:t>
             </a:fld>
             <a:endParaRPr lang="en-US"/>
           </a:p>
@@ -1589,7 +1589,7 @@
           <a:p>
             <a:fld id="{C68810DC-EA8E-4926-9719-2732E2A8C802}" type="datetimeFigureOut">
               <a:rPr lang="en-US" smtClean="0"/>
-              <a:t>2/27/2020</a:t>
+              <a:t>2/29/2020</a:t>
             </a:fld>
             <a:endParaRPr lang="en-US"/>
           </a:p>
@@ -1953,7 +1953,7 @@
           <a:p>
             <a:fld id="{C68810DC-EA8E-4926-9719-2732E2A8C802}" type="datetimeFigureOut">
               <a:rPr lang="en-US" smtClean="0"/>
-              <a:t>2/27/2020</a:t>
+              <a:t>2/29/2020</a:t>
             </a:fld>
             <a:endParaRPr lang="en-US"/>
           </a:p>
@@ -2070,7 +2070,7 @@
           <a:p>
             <a:fld id="{C68810DC-EA8E-4926-9719-2732E2A8C802}" type="datetimeFigureOut">
               <a:rPr lang="en-US" smtClean="0"/>
-              <a:t>2/27/2020</a:t>
+              <a:t>2/29/2020</a:t>
             </a:fld>
             <a:endParaRPr lang="en-US"/>
           </a:p>
@@ -2165,7 +2165,7 @@
           <a:p>
             <a:fld id="{C68810DC-EA8E-4926-9719-2732E2A8C802}" type="datetimeFigureOut">
               <a:rPr lang="en-US" smtClean="0"/>
-              <a:t>2/27/2020</a:t>
+              <a:t>2/29/2020</a:t>
             </a:fld>
             <a:endParaRPr lang="en-US"/>
           </a:p>
@@ -2440,7 +2440,7 @@
           <a:p>
             <a:fld id="{C68810DC-EA8E-4926-9719-2732E2A8C802}" type="datetimeFigureOut">
               <a:rPr lang="en-US" smtClean="0"/>
-              <a:t>2/27/2020</a:t>
+              <a:t>2/29/2020</a:t>
             </a:fld>
             <a:endParaRPr lang="en-US"/>
           </a:p>
@@ -2692,7 +2692,7 @@
           <a:p>
             <a:fld id="{C68810DC-EA8E-4926-9719-2732E2A8C802}" type="datetimeFigureOut">
               <a:rPr lang="en-US" smtClean="0"/>
-              <a:t>2/27/2020</a:t>
+              <a:t>2/29/2020</a:t>
             </a:fld>
             <a:endParaRPr lang="en-US"/>
           </a:p>
@@ -2903,7 +2903,7 @@
           <a:p>
             <a:fld id="{C68810DC-EA8E-4926-9719-2732E2A8C802}" type="datetimeFigureOut">
               <a:rPr lang="en-US" smtClean="0"/>
-              <a:t>2/27/2020</a:t>
+              <a:t>2/29/2020</a:t>
             </a:fld>
             <a:endParaRPr lang="en-US"/>
           </a:p>
@@ -3345,9 +3345,23 @@
           <a:bodyPr/>
           <a:lstStyle/>
           <a:p>
+            <a:pPr marL="342900" indent="-342900">
+              <a:buFontTx/>
+              <a:buChar char="-"/>
+            </a:pPr>
             <a:r>
               <a:rPr lang="en-US" dirty="0"/>
-              <a:t>- VESIT</a:t>
+              <a:t>Amlendu Choudhary</a:t>
+            </a:r>
+          </a:p>
+          <a:p>
+            <a:pPr marL="342900" indent="-342900">
+              <a:buFontTx/>
+              <a:buChar char="-"/>
+            </a:pPr>
+            <a:r>
+              <a:rPr lang="en-US" dirty="0"/>
+              <a:t>Sr. Solution Architect</a:t>
             </a:r>
           </a:p>
         </p:txBody>
